--- a/emotional erwachsen/Family (FAM)/ger/apprentice/ger_FAM_04_Achtung_Wichtig_EE_A.pptx
+++ b/emotional erwachsen/Family (FAM)/ger/apprentice/ger_FAM_04_Achtung_Wichtig_EE_A.pptx
@@ -193,7 +193,7 @@
           <a:p>
             <a:fld id="{6E077CBB-2DF5-4D45-BDDD-22DB2684D07E}" type="datetimeFigureOut">
               <a:rPr lang="de-DE" smtClean="0"/>
-              <a:t>17.07.15</a:t>
+              <a:t>28.07.15</a:t>
             </a:fld>
             <a:endParaRPr lang="de-DE"/>
           </a:p>
@@ -1529,7 +1529,7 @@
           <a:p>
             <a:fld id="{FF5B2BAF-DF38-0A48-A798-0C06E514FD52}" type="datetimeFigureOut">
               <a:rPr lang="de-DE" smtClean="0"/>
-              <a:t>17.07.15</a:t>
+              <a:t>28.07.15</a:t>
             </a:fld>
             <a:endParaRPr lang="de-DE" dirty="0"/>
           </a:p>
@@ -1622,7 +1622,7 @@
         <p:spPr>
           <a:xfrm>
             <a:off x="0" y="0"/>
-            <a:ext cx="7562850" cy="61450"/>
+            <a:ext cx="7562850" cy="209162"/>
           </a:xfrm>
           <a:prstGeom prst="rect">
             <a:avLst/>
@@ -2181,7 +2181,7 @@
           <a:p>
             <a:r>
               <a:rPr lang="de-DE" sz="1100" dirty="0"/>
-              <a:t>Ich habe als Mensch hat einen natürlichen Hunger danach, "gesehen" zu werden, im Sinne von wahrgenommen zu werden</a:t>
+              <a:t>Ich habe als Mensch hat einen natürlichen Hunger danach, "gesehen" zu werden, im Sinne von wahrgenommen zu werden.</a:t>
             </a:r>
           </a:p>
           <a:p>
@@ -2193,7 +2193,7 @@
           <a:p>
             <a:r>
               <a:rPr lang="de-DE" sz="1100" dirty="0"/>
-              <a:t>Wenn im Gespräch jeder versteht, welche Punkte dem anderen wichtig sind und so genau zuhört, dass diese Punkte wiederholt werden können, hilft das gegenseitiges Vertrauen aufzubauen. </a:t>
+              <a:t>Wenn im Gespräch jeder versteht, welche Punkte dem anderen wichtig sind und so genau zuhört, dass diese Punkte wiederholt werden können, hilft das, gegenseitiges Vertrauen aufzubauen. </a:t>
             </a:r>
           </a:p>
           <a:p>
@@ -2205,19 +2205,14 @@
           <a:p>
             <a:r>
               <a:rPr lang="de-DE" sz="1100" dirty="0"/>
-              <a:t>Die Empathie wird gefördert, weil man sich sich innerlich in die Situation des Sprechers versetzen und seine Position wiederholen muss.</a:t>
+              <a:t>Die Empathie wird gefördert, weil man sich innerlich in die Situation des Sprechers versetzen und seine Position wiederholen muss.</a:t>
             </a:r>
           </a:p>
           <a:p>
             <a:r>
               <a:rPr lang="de-DE" sz="1100" dirty="0"/>
-              <a:t>Das führt zu einem besseren gegenseitigen Verständnis und besseren Problemlösungen</a:t>
-            </a:r>
-            <a:r>
-              <a:rPr lang="de-DE" sz="1100" dirty="0" smtClean="0"/>
-              <a:t>.</a:t>
-            </a:r>
-            <a:endParaRPr lang="de-DE" sz="1100" dirty="0"/>
+              <a:t>Das führt zu einem besseren gegenseitigen Verständnis und besseren Problemlösungen.</a:t>
+            </a:r>
           </a:p>
         </p:txBody>
       </p:sp>
@@ -2261,7 +2256,12 @@
             <p:ph idx="1"/>
           </p:nvPr>
         </p:nvSpPr>
-        <p:spPr/>
+        <p:spPr>
+          <a:xfrm>
+            <a:off x="858838" y="1555750"/>
+            <a:ext cx="6344602" cy="3574439"/>
+          </a:xfrm>
+        </p:spPr>
         <p:txBody>
           <a:bodyPr>
             <a:normAutofit lnSpcReduction="10000"/>
@@ -2320,11 +2320,15 @@
           <a:p>
             <a:r>
               <a:rPr lang="de-DE" dirty="0" smtClean="0"/>
-              <a:t>Wenn </a:t>
+              <a:t>Der </a:t>
+            </a:r>
+            <a:r>
+              <a:rPr lang="de-DE" dirty="0" err="1"/>
+              <a:t>Tokennehmer</a:t>
             </a:r>
             <a:r>
               <a:rPr lang="de-DE" dirty="0"/>
-              <a:t>es Abweichungen gibt, werden diese erklärt</a:t>
+              <a:t> gibt eine Daumen hoch/Daumen runter Bewertung, ob er sich im wesentlichen verstanden fühlt. Wenn es Abweichungen gibt, werden diese erklärt</a:t>
             </a:r>
             <a:r>
               <a:rPr lang="de-DE" dirty="0" smtClean="0"/>
@@ -2338,15 +2342,21 @@
             </a:r>
             <a:r>
               <a:rPr lang="de-DE" dirty="0"/>
-              <a:t>es passt, wird der Token wieder in die Mitte </a:t>
-            </a:r>
-            <a:r>
-              <a:rPr lang="de-DE" dirty="0" err="1"/>
-              <a:t>gelegt.Sobald</a:t>
+              <a:t>es passt, wird der Token wieder in die Mitte gelegt</a:t>
+            </a:r>
+            <a:r>
+              <a:rPr lang="de-DE" dirty="0" smtClean="0"/>
+              <a:t>.</a:t>
+            </a:r>
+          </a:p>
+          <a:p>
+            <a:r>
+              <a:rPr lang="de-DE" dirty="0" smtClean="0"/>
+              <a:t>Sobald </a:t>
             </a:r>
             <a:r>
               <a:rPr lang="de-DE" dirty="0"/>
-              <a:t> jemand den Token nimmt, </a:t>
+              <a:t>jemand den Token nimmt, wissen alle anderen, das nun etwas wichtiges </a:t>
             </a:r>
             <a:r>
               <a:rPr lang="de-DE" dirty="0" smtClean="0"/>
@@ -2357,15 +2367,23 @@
             </a:br>
             <a:r>
               <a:rPr lang="de-DE" dirty="0" smtClean="0"/>
-              <a:t>wissen </a:t>
+              <a:t>gesagt </a:t>
             </a:r>
             <a:r>
               <a:rPr lang="de-DE" dirty="0"/>
-              <a:t>alle anderen, das nun etwas wichtiges gesagt wird, dass widerholt werden </a:t>
+              <a:t>wird, </a:t>
             </a:r>
             <a:r>
               <a:rPr lang="de-DE" dirty="0" smtClean="0"/>
-              <a:t>muss.</a:t>
+              <a:t>dass </a:t>
+            </a:r>
+            <a:r>
+              <a:rPr lang="de-DE" dirty="0"/>
+              <a:t>wiederholt werden muss</a:t>
+            </a:r>
+            <a:r>
+              <a:rPr lang="de-DE" dirty="0" smtClean="0"/>
+              <a:t>.</a:t>
             </a:r>
           </a:p>
           <a:p>
@@ -2375,10 +2393,12 @@
             </a:r>
             <a:r>
               <a:rPr lang="de-DE" dirty="0"/>
-              <a:t>diesen Move über 8 Wochen in mindestens 4 Besprechungen.</a:t>
-            </a:r>
-          </a:p>
-          <a:p>
+              <a:t>diesen Move über 8 Wochen in mindestens 4 Besprechungen</a:t>
+            </a:r>
+            <a:r>
+              <a:rPr lang="de-DE" dirty="0" smtClean="0"/>
+              <a:t>.</a:t>
+            </a:r>
             <a:endParaRPr lang="de-DE" dirty="0"/>
           </a:p>
         </p:txBody>
